--- a/resources/ppt-slides/the-stack.pptx
+++ b/resources/ppt-slides/the-stack.pptx
@@ -247,7 +247,7 @@
           <a:p>
             <a:fld id="{964302DC-9F53-934F-AE4D-0F1F197008C1}" type="datetimeFigureOut">
               <a:rPr lang="en-US" smtClean="0"/>
-              <a:t>2/9/24</a:t>
+              <a:t>2/2/24</a:t>
             </a:fld>
             <a:endParaRPr lang="en-US"/>
           </a:p>
@@ -417,7 +417,7 @@
           <a:p>
             <a:fld id="{964302DC-9F53-934F-AE4D-0F1F197008C1}" type="datetimeFigureOut">
               <a:rPr lang="en-US" smtClean="0"/>
-              <a:t>2/9/24</a:t>
+              <a:t>2/2/24</a:t>
             </a:fld>
             <a:endParaRPr lang="en-US"/>
           </a:p>
@@ -597,7 +597,7 @@
           <a:p>
             <a:fld id="{964302DC-9F53-934F-AE4D-0F1F197008C1}" type="datetimeFigureOut">
               <a:rPr lang="en-US" smtClean="0"/>
-              <a:t>2/9/24</a:t>
+              <a:t>2/2/24</a:t>
             </a:fld>
             <a:endParaRPr lang="en-US"/>
           </a:p>
@@ -767,7 +767,7 @@
           <a:p>
             <a:fld id="{964302DC-9F53-934F-AE4D-0F1F197008C1}" type="datetimeFigureOut">
               <a:rPr lang="en-US" smtClean="0"/>
-              <a:t>2/9/24</a:t>
+              <a:t>2/2/24</a:t>
             </a:fld>
             <a:endParaRPr lang="en-US"/>
           </a:p>
@@ -1011,7 +1011,7 @@
           <a:p>
             <a:fld id="{964302DC-9F53-934F-AE4D-0F1F197008C1}" type="datetimeFigureOut">
               <a:rPr lang="en-US" smtClean="0"/>
-              <a:t>2/9/24</a:t>
+              <a:t>2/2/24</a:t>
             </a:fld>
             <a:endParaRPr lang="en-US"/>
           </a:p>
@@ -1243,7 +1243,7 @@
           <a:p>
             <a:fld id="{964302DC-9F53-934F-AE4D-0F1F197008C1}" type="datetimeFigureOut">
               <a:rPr lang="en-US" smtClean="0"/>
-              <a:t>2/9/24</a:t>
+              <a:t>2/2/24</a:t>
             </a:fld>
             <a:endParaRPr lang="en-US"/>
           </a:p>
@@ -1610,7 +1610,7 @@
           <a:p>
             <a:fld id="{964302DC-9F53-934F-AE4D-0F1F197008C1}" type="datetimeFigureOut">
               <a:rPr lang="en-US" smtClean="0"/>
-              <a:t>2/9/24</a:t>
+              <a:t>2/2/24</a:t>
             </a:fld>
             <a:endParaRPr lang="en-US"/>
           </a:p>
@@ -1728,7 +1728,7 @@
           <a:p>
             <a:fld id="{964302DC-9F53-934F-AE4D-0F1F197008C1}" type="datetimeFigureOut">
               <a:rPr lang="en-US" smtClean="0"/>
-              <a:t>2/9/24</a:t>
+              <a:t>2/2/24</a:t>
             </a:fld>
             <a:endParaRPr lang="en-US"/>
           </a:p>
@@ -1823,7 +1823,7 @@
           <a:p>
             <a:fld id="{964302DC-9F53-934F-AE4D-0F1F197008C1}" type="datetimeFigureOut">
               <a:rPr lang="en-US" smtClean="0"/>
-              <a:t>2/9/24</a:t>
+              <a:t>2/2/24</a:t>
             </a:fld>
             <a:endParaRPr lang="en-US"/>
           </a:p>
@@ -2100,7 +2100,7 @@
           <a:p>
             <a:fld id="{964302DC-9F53-934F-AE4D-0F1F197008C1}" type="datetimeFigureOut">
               <a:rPr lang="en-US" smtClean="0"/>
-              <a:t>2/9/24</a:t>
+              <a:t>2/2/24</a:t>
             </a:fld>
             <a:endParaRPr lang="en-US"/>
           </a:p>
@@ -2357,7 +2357,7 @@
           <a:p>
             <a:fld id="{964302DC-9F53-934F-AE4D-0F1F197008C1}" type="datetimeFigureOut">
               <a:rPr lang="en-US" smtClean="0"/>
-              <a:t>2/9/24</a:t>
+              <a:t>2/2/24</a:t>
             </a:fld>
             <a:endParaRPr lang="en-US"/>
           </a:p>
@@ -2422,18 +2422,9 @@
 <p:sldMaster xmlns:a="http://schemas.openxmlformats.org/drawingml/2006/main" xmlns:r="http://schemas.openxmlformats.org/officeDocument/2006/relationships" xmlns:p="http://schemas.openxmlformats.org/presentationml/2006/main">
   <p:cSld>
     <p:bg>
-      <p:bgPr>
-        <a:blipFill dpi="0" rotWithShape="1">
-          <a:blip r:embed="rId13">
-            <a:lum/>
-          </a:blip>
-          <a:srcRect/>
-          <a:stretch>
-            <a:fillRect/>
-          </a:stretch>
-        </a:blipFill>
-        <a:effectLst/>
-      </p:bgPr>
+      <p:bgRef idx="1001">
+        <a:schemeClr val="bg1"/>
+      </p:bgRef>
     </p:bg>
     <p:spTree>
       <p:nvGrpSpPr>
@@ -2579,7 +2570,7 @@
           <a:p>
             <a:fld id="{964302DC-9F53-934F-AE4D-0F1F197008C1}" type="datetimeFigureOut">
               <a:rPr lang="en-US" smtClean="0"/>
-              <a:t>2/9/24</a:t>
+              <a:t>2/2/24</a:t>
             </a:fld>
             <a:endParaRPr lang="en-US"/>
           </a:p>
@@ -2970,6 +2961,20 @@
 <file path=ppt/slides/slide1.xml><?xml version="1.0" encoding="utf-8"?>
 <p:sld xmlns:a="http://schemas.openxmlformats.org/drawingml/2006/main" xmlns:r="http://schemas.openxmlformats.org/officeDocument/2006/relationships" xmlns:p="http://schemas.openxmlformats.org/presentationml/2006/main">
   <p:cSld>
+    <p:bg>
+      <p:bgPr>
+        <a:blipFill dpi="0" rotWithShape="1">
+          <a:blip r:embed="rId2">
+            <a:lum/>
+          </a:blip>
+          <a:srcRect/>
+          <a:stretch>
+            <a:fillRect/>
+          </a:stretch>
+        </a:blipFill>
+        <a:effectLst/>
+      </p:bgPr>
+    </p:bg>
     <p:spTree>
       <p:nvGrpSpPr>
         <p:cNvPr id="1" name=""/>
@@ -3093,7 +3098,7 @@
                     </a:schemeClr>
                   </a:solidFill>
                 </a:rPr>
-                <a:t>    int </a:t>
+                <a:t>  int </a:t>
               </a:r>
               <a:r>
                 <a:rPr lang="en-AU" sz="1400" dirty="0" err="1">
@@ -3129,7 +3134,7 @@
                     </a:schemeClr>
                   </a:solidFill>
                 </a:rPr>
-                <a:t>    WriteLine($"{name} and {</a:t>
+                <a:t>  WriteLine($"{name} and {</a:t>
               </a:r>
               <a:r>
                 <a:rPr lang="en-AU" sz="1400" dirty="0" err="1">
@@ -3257,7 +3262,7 @@
               <p:nvPr/>
             </p:nvPicPr>
             <p:blipFill>
-              <a:blip r:embed="rId2">
+              <a:blip r:embed="rId3">
                 <a:alphaModFix amt="30000"/>
               </a:blip>
               <a:stretch>
@@ -5048,7 +5053,7 @@
             <p:nvPr/>
           </p:nvPicPr>
           <p:blipFill>
-            <a:blip r:embed="rId3">
+            <a:blip r:embed="rId4">
               <a:alphaModFix/>
             </a:blip>
             <a:stretch>
@@ -5507,6 +5512,20 @@
 <file path=ppt/slides/slide2.xml><?xml version="1.0" encoding="utf-8"?>
 <p:sld xmlns:a="http://schemas.openxmlformats.org/drawingml/2006/main" xmlns:r="http://schemas.openxmlformats.org/officeDocument/2006/relationships" xmlns:p="http://schemas.openxmlformats.org/presentationml/2006/main">
   <p:cSld>
+    <p:bg>
+      <p:bgPr>
+        <a:blipFill dpi="0" rotWithShape="1">
+          <a:blip r:embed="rId2">
+            <a:lum/>
+          </a:blip>
+          <a:srcRect/>
+          <a:stretch>
+            <a:fillRect/>
+          </a:stretch>
+        </a:blipFill>
+        <a:effectLst/>
+      </p:bgPr>
+    </p:bg>
     <p:spTree>
       <p:nvGrpSpPr>
         <p:cNvPr id="1" name=""/>
@@ -5646,7 +5665,7 @@
                     </a:schemeClr>
                   </a:solidFill>
                 </a:rPr>
-                <a:t>    int </a:t>
+                <a:t>  int </a:t>
               </a:r>
               <a:r>
                 <a:rPr lang="en-AU" sz="1400" dirty="0" err="1">
@@ -5682,7 +5701,7 @@
                     </a:schemeClr>
                   </a:solidFill>
                 </a:rPr>
-                <a:t>    WriteLine($"{name} and {</a:t>
+                <a:t>  WriteLine($"{name} and {</a:t>
               </a:r>
               <a:r>
                 <a:rPr lang="en-AU" sz="1400" dirty="0" err="1">
@@ -5807,7 +5826,7 @@
               <p:nvPr/>
             </p:nvPicPr>
             <p:blipFill>
-              <a:blip r:embed="rId2">
+              <a:blip r:embed="rId3">
                 <a:alphaModFix amt="30000"/>
               </a:blip>
               <a:stretch>
@@ -7607,7 +7626,7 @@
             <p:nvPr/>
           </p:nvPicPr>
           <p:blipFill>
-            <a:blip r:embed="rId3">
+            <a:blip r:embed="rId4">
               <a:alphaModFix amt="30000"/>
             </a:blip>
             <a:stretch>
@@ -8372,6 +8391,20 @@
 <file path=ppt/slides/slide3.xml><?xml version="1.0" encoding="utf-8"?>
 <p:sld xmlns:a="http://schemas.openxmlformats.org/drawingml/2006/main" xmlns:r="http://schemas.openxmlformats.org/officeDocument/2006/relationships" xmlns:p="http://schemas.openxmlformats.org/presentationml/2006/main">
   <p:cSld>
+    <p:bg>
+      <p:bgPr>
+        <a:blipFill dpi="0" rotWithShape="1">
+          <a:blip r:embed="rId2">
+            <a:lum/>
+          </a:blip>
+          <a:srcRect/>
+          <a:stretch>
+            <a:fillRect/>
+          </a:stretch>
+        </a:blipFill>
+        <a:effectLst/>
+      </p:bgPr>
+    </p:bg>
     <p:spTree>
       <p:nvGrpSpPr>
         <p:cNvPr id="1" name=""/>
@@ -8501,7 +8534,7 @@
               </a:pPr>
               <a:r>
                 <a:rPr lang="en-AU" sz="1400" dirty="0"/>
-                <a:t>    int </a:t>
+                <a:t>  int </a:t>
               </a:r>
               <a:r>
                 <a:rPr lang="en-AU" sz="1400" dirty="0" err="1"/>
@@ -8519,7 +8552,7 @@
               </a:pPr>
               <a:r>
                 <a:rPr lang="en-AU" sz="1400" dirty="0"/>
-                <a:t>    WriteLine($"{name} and {</a:t>
+                <a:t>  WriteLine($"{name} and {</a:t>
               </a:r>
               <a:r>
                 <a:rPr lang="en-AU" sz="1400" dirty="0" err="1"/>
@@ -8632,7 +8665,7 @@
               <p:nvPr/>
             </p:nvPicPr>
             <p:blipFill>
-              <a:blip r:embed="rId2">
+              <a:blip r:embed="rId3">
                 <a:alphaModFix amt="30000"/>
               </a:blip>
               <a:stretch>
@@ -10423,7 +10456,7 @@
             <p:nvPr/>
           </p:nvPicPr>
           <p:blipFill>
-            <a:blip r:embed="rId3">
+            <a:blip r:embed="rId4">
               <a:alphaModFix/>
             </a:blip>
             <a:stretch>
@@ -11187,6 +11220,20 @@
 <file path=ppt/slides/slide4.xml><?xml version="1.0" encoding="utf-8"?>
 <p:sld xmlns:a="http://schemas.openxmlformats.org/drawingml/2006/main" xmlns:r="http://schemas.openxmlformats.org/officeDocument/2006/relationships" xmlns:p="http://schemas.openxmlformats.org/presentationml/2006/main">
   <p:cSld>
+    <p:bg>
+      <p:bgPr>
+        <a:blipFill dpi="0" rotWithShape="1">
+          <a:blip r:embed="rId2">
+            <a:lum/>
+          </a:blip>
+          <a:srcRect/>
+          <a:stretch>
+            <a:fillRect/>
+          </a:stretch>
+        </a:blipFill>
+        <a:effectLst/>
+      </p:bgPr>
+    </p:bg>
     <p:spTree>
       <p:nvGrpSpPr>
         <p:cNvPr id="1" name=""/>
@@ -11322,7 +11369,7 @@
                     </a:schemeClr>
                   </a:solidFill>
                 </a:rPr>
-                <a:t>    int </a:t>
+                <a:t>  int </a:t>
               </a:r>
               <a:r>
                 <a:rPr lang="en-AU" sz="1400" dirty="0" err="1">
@@ -11358,7 +11405,7 @@
                     </a:schemeClr>
                   </a:solidFill>
                 </a:rPr>
-                <a:t>    WriteLine($"{name} and {</a:t>
+                <a:t>  WriteLine($"{name} and {</a:t>
               </a:r>
               <a:r>
                 <a:rPr lang="en-AU" sz="1400" dirty="0" err="1">
@@ -11477,7 +11524,7 @@
               <p:nvPr/>
             </p:nvPicPr>
             <p:blipFill>
-              <a:blip r:embed="rId2">
+              <a:blip r:embed="rId3">
                 <a:alphaModFix amt="30000"/>
               </a:blip>
               <a:stretch>
@@ -13277,7 +13324,7 @@
             <p:nvPr/>
           </p:nvPicPr>
           <p:blipFill>
-            <a:blip r:embed="rId3">
+            <a:blip r:embed="rId4">
               <a:alphaModFix amt="30000"/>
             </a:blip>
             <a:stretch>
@@ -14355,6 +14402,20 @@
 <file path=ppt/slides/slide5.xml><?xml version="1.0" encoding="utf-8"?>
 <p:sld xmlns:a="http://schemas.openxmlformats.org/drawingml/2006/main" xmlns:r="http://schemas.openxmlformats.org/officeDocument/2006/relationships" xmlns:p="http://schemas.openxmlformats.org/presentationml/2006/main">
   <p:cSld>
+    <p:bg>
+      <p:bgPr>
+        <a:blipFill dpi="0" rotWithShape="1">
+          <a:blip r:embed="rId2">
+            <a:lum/>
+          </a:blip>
+          <a:srcRect/>
+          <a:stretch>
+            <a:fillRect/>
+          </a:stretch>
+        </a:blipFill>
+        <a:effectLst/>
+      </p:bgPr>
+    </p:bg>
     <p:spTree>
       <p:nvGrpSpPr>
         <p:cNvPr id="1" name=""/>
@@ -14490,7 +14551,7 @@
                     </a:schemeClr>
                   </a:solidFill>
                 </a:rPr>
-                <a:t>    int </a:t>
+                <a:t>  int </a:t>
               </a:r>
               <a:r>
                 <a:rPr lang="en-AU" sz="1400" dirty="0" err="1">
@@ -14526,7 +14587,7 @@
                     </a:schemeClr>
                   </a:solidFill>
                 </a:rPr>
-                <a:t>    WriteLine($"{name} and {</a:t>
+                <a:t>  WriteLine($"{name} and {</a:t>
               </a:r>
               <a:r>
                 <a:rPr lang="en-AU" sz="1400" dirty="0" err="1">
@@ -14633,7 +14694,7 @@
               <p:nvPr/>
             </p:nvPicPr>
             <p:blipFill>
-              <a:blip r:embed="rId2">
+              <a:blip r:embed="rId3">
                 <a:alphaModFix amt="30000"/>
               </a:blip>
               <a:stretch>
@@ -16424,7 +16485,7 @@
             <p:nvPr/>
           </p:nvPicPr>
           <p:blipFill>
-            <a:blip r:embed="rId3">
+            <a:blip r:embed="rId4">
               <a:alphaModFix/>
             </a:blip>
             <a:stretch>
